--- a/Parliamentarism_In_Russia_Beggining.pptx
+++ b/Parliamentarism_In_Russia_Beggining.pptx
@@ -11,7 +11,9 @@
     <p:sldId id="263" r:id="rId5"/>
     <p:sldId id="264" r:id="rId6"/>
     <p:sldId id="265" r:id="rId7"/>
-    <p:sldId id="266" r:id="rId8"/>
+    <p:sldId id="267" r:id="rId8"/>
+    <p:sldId id="266" r:id="rId9"/>
+    <p:sldId id="268" r:id="rId10"/>
   </p:sldIdLst>
   <p:sldSz cx="12192000" cy="6858000"/>
   <p:notesSz cx="6858000" cy="9144000"/>
@@ -110,6 +112,11 @@
       </a:defRPr>
     </a:lvl9pPr>
   </p:defaultTextStyle>
+  <p:extLst>
+    <p:ext uri="{EFAFB233-063F-42B5-8137-9DF3F51BA10A}">
+      <p15:sldGuideLst xmlns:p15="http://schemas.microsoft.com/office/powerpoint/2012/main"/>
+    </p:ext>
+  </p:extLst>
 </p:presentation>
 </file>
 
@@ -281,7 +288,7 @@
           <a:p>
             <a:fld id="{48ACC1D5-29FF-4169-8DB3-B8220BD14816}" type="datetimeFigureOut">
               <a:rPr lang="en-001" smtClean="0"/>
-              <a:t>16/11/2020</a:t>
+              <a:t>17/11/2020</a:t>
             </a:fld>
             <a:endParaRPr lang="en-001"/>
           </a:p>
@@ -509,7 +516,7 @@
           <a:p>
             <a:fld id="{48ACC1D5-29FF-4169-8DB3-B8220BD14816}" type="datetimeFigureOut">
               <a:rPr lang="en-001" smtClean="0"/>
-              <a:t>16/11/2020</a:t>
+              <a:t>17/11/2020</a:t>
             </a:fld>
             <a:endParaRPr lang="en-001"/>
           </a:p>
@@ -689,7 +696,7 @@
           <a:p>
             <a:fld id="{48ACC1D5-29FF-4169-8DB3-B8220BD14816}" type="datetimeFigureOut">
               <a:rPr lang="en-001" smtClean="0"/>
-              <a:t>16/11/2020</a:t>
+              <a:t>17/11/2020</a:t>
             </a:fld>
             <a:endParaRPr lang="en-001"/>
           </a:p>
@@ -859,7 +866,7 @@
           <a:p>
             <a:fld id="{48ACC1D5-29FF-4169-8DB3-B8220BD14816}" type="datetimeFigureOut">
               <a:rPr lang="en-001" smtClean="0"/>
-              <a:t>16/11/2020</a:t>
+              <a:t>17/11/2020</a:t>
             </a:fld>
             <a:endParaRPr lang="en-001"/>
           </a:p>
@@ -1113,7 +1120,7 @@
           <a:p>
             <a:fld id="{48ACC1D5-29FF-4169-8DB3-B8220BD14816}" type="datetimeFigureOut">
               <a:rPr lang="en-001" smtClean="0"/>
-              <a:t>16/11/2020</a:t>
+              <a:t>17/11/2020</a:t>
             </a:fld>
             <a:endParaRPr lang="en-001"/>
           </a:p>
@@ -1439,7 +1446,7 @@
           <a:p>
             <a:fld id="{48ACC1D5-29FF-4169-8DB3-B8220BD14816}" type="datetimeFigureOut">
               <a:rPr lang="en-001" smtClean="0"/>
-              <a:t>16/11/2020</a:t>
+              <a:t>17/11/2020</a:t>
             </a:fld>
             <a:endParaRPr lang="en-001"/>
           </a:p>
@@ -1890,7 +1897,7 @@
           <a:p>
             <a:fld id="{48ACC1D5-29FF-4169-8DB3-B8220BD14816}" type="datetimeFigureOut">
               <a:rPr lang="en-001" smtClean="0"/>
-              <a:t>16/11/2020</a:t>
+              <a:t>17/11/2020</a:t>
             </a:fld>
             <a:endParaRPr lang="en-001"/>
           </a:p>
@@ -2008,7 +2015,7 @@
           <a:p>
             <a:fld id="{48ACC1D5-29FF-4169-8DB3-B8220BD14816}" type="datetimeFigureOut">
               <a:rPr lang="en-001" smtClean="0"/>
-              <a:t>16/11/2020</a:t>
+              <a:t>17/11/2020</a:t>
             </a:fld>
             <a:endParaRPr lang="en-001"/>
           </a:p>
@@ -2103,7 +2110,7 @@
           <a:p>
             <a:fld id="{48ACC1D5-29FF-4169-8DB3-B8220BD14816}" type="datetimeFigureOut">
               <a:rPr lang="en-001" smtClean="0"/>
-              <a:t>16/11/2020</a:t>
+              <a:t>17/11/2020</a:t>
             </a:fld>
             <a:endParaRPr lang="en-001"/>
           </a:p>
@@ -2390,7 +2397,7 @@
           <a:p>
             <a:fld id="{48ACC1D5-29FF-4169-8DB3-B8220BD14816}" type="datetimeFigureOut">
               <a:rPr lang="en-001" smtClean="0"/>
-              <a:t>16/11/2020</a:t>
+              <a:t>17/11/2020</a:t>
             </a:fld>
             <a:endParaRPr lang="en-001"/>
           </a:p>
@@ -2712,7 +2719,7 @@
           <a:p>
             <a:fld id="{48ACC1D5-29FF-4169-8DB3-B8220BD14816}" type="datetimeFigureOut">
               <a:rPr lang="en-001" smtClean="0"/>
-              <a:t>16/11/2020</a:t>
+              <a:t>17/11/2020</a:t>
             </a:fld>
             <a:endParaRPr lang="en-001"/>
           </a:p>
@@ -2966,7 +2973,7 @@
           <a:p>
             <a:fld id="{48ACC1D5-29FF-4169-8DB3-B8220BD14816}" type="datetimeFigureOut">
               <a:rPr lang="en-001" smtClean="0"/>
-              <a:t>16/11/2020</a:t>
+              <a:t>17/11/2020</a:t>
             </a:fld>
             <a:endParaRPr lang="en-001"/>
           </a:p>
@@ -3609,7 +3616,19 @@
           <a:p>
             <a:r>
               <a:rPr lang="ru-RU" dirty="0"/>
-              <a:t>Тема: Характеристика эсхатологического учения Свидетелей Иеговы (Иеговистов)</a:t>
+              <a:t>Тема: Опыт и особенности российского парламентаризма в начале  ХХ в. Деятельность </a:t>
+            </a:r>
+            <a:r>
+              <a:rPr lang="en-US" dirty="0"/>
+              <a:t>I-IV</a:t>
+            </a:r>
+            <a:r>
+              <a:rPr lang="en-001" dirty="0"/>
+              <a:t> </a:t>
+            </a:r>
+            <a:r>
+              <a:rPr lang="ru-RU" dirty="0"/>
+              <a:t>Государственных Дум.</a:t>
             </a:r>
           </a:p>
         </p:txBody>
@@ -3920,7 +3939,7 @@
         <p:spPr>
           <a:xfrm>
             <a:off x="53556" y="677863"/>
-            <a:ext cx="11204993" cy="6099900"/>
+            <a:ext cx="8248991" cy="6099900"/>
           </a:xfrm>
         </p:spPr>
         <p:txBody>
@@ -4072,6 +4091,36 @@
           </a:p>
         </p:txBody>
       </p:sp>
+      <p:pic>
+        <p:nvPicPr>
+          <p:cNvPr id="4" name="Рисунок 3">
+            <a:extLst>
+              <a:ext uri="{FF2B5EF4-FFF2-40B4-BE49-F238E27FC236}">
+                <a16:creationId xmlns:a16="http://schemas.microsoft.com/office/drawing/2014/main" id="{223AA886-4C09-4257-B110-4237C87C16FD}"/>
+              </a:ext>
+            </a:extLst>
+          </p:cNvPr>
+          <p:cNvPicPr>
+            <a:picLocks noChangeAspect="1"/>
+          </p:cNvPicPr>
+          <p:nvPr/>
+        </p:nvPicPr>
+        <p:blipFill>
+          <a:blip r:embed="rId2"/>
+          <a:stretch>
+            <a:fillRect/>
+          </a:stretch>
+        </p:blipFill>
+        <p:spPr>
+          <a:xfrm>
+            <a:off x="8302548" y="2312255"/>
+            <a:ext cx="3835895" cy="2157691"/>
+          </a:xfrm>
+          <a:prstGeom prst="rect">
+            <a:avLst/>
+          </a:prstGeom>
+        </p:spPr>
+      </p:pic>
     </p:spTree>
     <p:extLst>
       <p:ext uri="{BB962C8B-B14F-4D97-AF65-F5344CB8AC3E}">
@@ -4161,7 +4210,7 @@
         <p:spPr>
           <a:xfrm>
             <a:off x="126546" y="771524"/>
-            <a:ext cx="11013622" cy="5961564"/>
+            <a:ext cx="11017704" cy="5961564"/>
           </a:xfrm>
         </p:spPr>
         <p:txBody>
@@ -4677,7 +4726,7 @@
           <p:cNvPr id="2" name="Заголовок 1">
             <a:extLst>
               <a:ext uri="{FF2B5EF4-FFF2-40B4-BE49-F238E27FC236}">
-                <a16:creationId xmlns:a16="http://schemas.microsoft.com/office/drawing/2014/main" id="{818EDD02-AFDD-4FDB-A7E2-D891C8D64D5C}"/>
+                <a16:creationId xmlns:a16="http://schemas.microsoft.com/office/drawing/2014/main" id="{AF6C9F12-CDAD-4A54-86C8-DDD37D875BFC}"/>
               </a:ext>
             </a:extLst>
           </p:cNvPr>
@@ -4688,15 +4737,158 @@
             <p:ph type="title"/>
           </p:nvPr>
         </p:nvSpPr>
-        <p:spPr/>
-        <p:txBody>
-          <a:bodyPr/>
-          <a:lstStyle/>
-          <a:p>
+        <p:spPr>
+          <a:xfrm>
+            <a:off x="1893434" y="75927"/>
+            <a:ext cx="8405132" cy="491490"/>
+          </a:xfrm>
+        </p:spPr>
+        <p:txBody>
+          <a:bodyPr>
+            <a:normAutofit/>
+          </a:bodyPr>
+          <a:lstStyle/>
+          <a:p>
+            <a:r>
+              <a:rPr lang="ru-RU" sz="2400" dirty="0"/>
+              <a:t>Основные черты становления парламентаризма в России</a:t>
+            </a:r>
+            <a:endParaRPr lang="en-001" sz="2400" dirty="0"/>
+          </a:p>
+        </p:txBody>
+      </p:sp>
+      <p:sp>
+        <p:nvSpPr>
+          <p:cNvPr id="3" name="Объект 2">
+            <a:extLst>
+              <a:ext uri="{FF2B5EF4-FFF2-40B4-BE49-F238E27FC236}">
+                <a16:creationId xmlns:a16="http://schemas.microsoft.com/office/drawing/2014/main" id="{58C26765-7BA6-413D-A18A-D602FB6E39BA}"/>
+              </a:ext>
+            </a:extLst>
+          </p:cNvPr>
+          <p:cNvSpPr>
+            <a:spLocks noGrp="1"/>
+          </p:cNvSpPr>
+          <p:nvPr>
+            <p:ph idx="1"/>
+          </p:nvPr>
+        </p:nvSpPr>
+        <p:spPr>
+          <a:xfrm>
+            <a:off x="147447" y="661307"/>
+            <a:ext cx="10670232" cy="5964011"/>
+          </a:xfrm>
+        </p:spPr>
+        <p:txBody>
+          <a:bodyPr>
+            <a:normAutofit/>
+          </a:bodyPr>
+          <a:lstStyle/>
+          <a:p>
+            <a:r>
+              <a:rPr lang="ru-RU" dirty="0"/>
+              <a:t>Практическая деятельность парламента в Российской империи обладала рядом особенностей. Основными чертами становления парламентаризма в России начала XX в. явились:</a:t>
+            </a:r>
+          </a:p>
+          <a:p>
+            <a:pPr lvl="1"/>
+            <a:r>
+              <a:rPr lang="ru-RU" dirty="0"/>
+              <a:t>1) запоздалый характер создания учреждений парламентского типа;</a:t>
+            </a:r>
+          </a:p>
+          <a:p>
+            <a:pPr lvl="1"/>
+            <a:r>
+              <a:rPr lang="ru-RU" dirty="0"/>
+              <a:t>2) революционная подоплёка их учреждения;</a:t>
+            </a:r>
+          </a:p>
+          <a:p>
+            <a:pPr lvl="1"/>
+            <a:r>
+              <a:rPr lang="ru-RU" dirty="0"/>
+              <a:t>3) завышенные надежды и ожидания в их отношении со стороны общественности;</a:t>
+            </a:r>
+          </a:p>
+          <a:p>
+            <a:pPr lvl="1"/>
+            <a:r>
+              <a:rPr lang="ru-RU" dirty="0"/>
+              <a:t>4) конфронтационный стиль взаимодействия законодательной и исполнительной ветвей власти;</a:t>
+            </a:r>
+          </a:p>
+          <a:p>
+            <a:pPr lvl="1"/>
+            <a:r>
+              <a:rPr lang="ru-RU" dirty="0"/>
+              <a:t>5) доминирование главы государства как обладателя «верховной самодержавной власти»;</a:t>
+            </a:r>
+          </a:p>
+          <a:p>
+            <a:pPr lvl="1"/>
+            <a:r>
+              <a:rPr lang="ru-RU" dirty="0"/>
+              <a:t>6) приобретение опыта взаимодействия двух палат парламента;</a:t>
+            </a:r>
+          </a:p>
+          <a:p>
+            <a:pPr lvl="1"/>
+            <a:r>
+              <a:rPr lang="ru-RU" dirty="0"/>
+              <a:t>7) дискриминационный характер избирательного законодательства.</a:t>
+            </a:r>
+          </a:p>
+          <a:p>
+            <a:r>
+              <a:rPr lang="ru-RU" dirty="0"/>
+              <a:t>Бесспорно, за столь непродолжительный период Россия не успела стать парламентарным государством в классическом понимании этого термина. Тем не менее </a:t>
+            </a:r>
+            <a:r>
+              <a:rPr lang="ru-RU" dirty="0" err="1"/>
+              <a:t>пройденный</a:t>
+            </a:r>
+            <a:r>
+              <a:rPr lang="ru-RU" dirty="0"/>
+              <a:t> этап становления парламентаризма в начале XX века, пусть не всегда удачный, конфронтационный, сложный, является весьма важным и поучительным.</a:t>
+            </a:r>
             <a:endParaRPr lang="en-001" dirty="0"/>
           </a:p>
-        </p:txBody>
-      </p:sp>
+          <a:p>
+            <a:endParaRPr lang="en-001" dirty="0"/>
+          </a:p>
+        </p:txBody>
+      </p:sp>
+    </p:spTree>
+    <p:extLst>
+      <p:ext uri="{BB962C8B-B14F-4D97-AF65-F5344CB8AC3E}">
+        <p14:creationId xmlns:p14="http://schemas.microsoft.com/office/powerpoint/2010/main" val="1586173063"/>
+      </p:ext>
+    </p:extLst>
+  </p:cSld>
+  <p:clrMapOvr>
+    <a:masterClrMapping/>
+  </p:clrMapOvr>
+</p:sld>
+</file>
+
+<file path=ppt/slides/slide8.xml><?xml version="1.0" encoding="utf-8"?>
+<p:sld xmlns:a="http://schemas.openxmlformats.org/drawingml/2006/main" xmlns:r="http://schemas.openxmlformats.org/officeDocument/2006/relationships" xmlns:p="http://schemas.openxmlformats.org/presentationml/2006/main">
+  <p:cSld>
+    <p:spTree>
+      <p:nvGrpSpPr>
+        <p:cNvPr id="1" name=""/>
+        <p:cNvGrpSpPr/>
+        <p:nvPr/>
+      </p:nvGrpSpPr>
+      <p:grpSpPr>
+        <a:xfrm>
+          <a:off x="0" y="0"/>
+          <a:ext cx="0" cy="0"/>
+          <a:chOff x="0" y="0"/>
+          <a:chExt cx="0" cy="0"/>
+        </a:xfrm>
+      </p:grpSpPr>
       <p:sp>
         <p:nvSpPr>
           <p:cNvPr id="3" name="Объект 2">
@@ -4713,10 +4905,15 @@
             <p:ph idx="1"/>
           </p:nvPr>
         </p:nvSpPr>
-        <p:spPr/>
+        <p:spPr>
+          <a:xfrm>
+            <a:off x="73479" y="65315"/>
+            <a:ext cx="11213646" cy="5661932"/>
+          </a:xfrm>
+        </p:spPr>
         <p:txBody>
           <a:bodyPr>
-            <a:normAutofit fontScale="85000" lnSpcReduction="20000"/>
+            <a:normAutofit/>
           </a:bodyPr>
           <a:lstStyle/>
           <a:p>
@@ -4736,7 +4933,6 @@
               <a:rPr lang="ru-RU" dirty="0"/>
               <a:t>Оценивая первый опыт российского парламентаризма, необходимо отметить, что деятельность Думы была далека от совершенства. Она сковывалась антидемократическими нормами, регулирующими порядок ее работы, и столь же антидемократическим законом о выборах. Тем не менее Дума стала центром легальной политической борьбы, а утвердившийся в ней открытый и гласный порядок обсуждения и принятия законов, контроль, хотя и усеченный, за государственными финансами и действиями властей — все это способствовало политическому просвещению народа, росту его политической активности, развитию традиций демократического решения важнейших государственных вопросов.</a:t>
             </a:r>
-            <a:endParaRPr lang="en-001" dirty="0"/>
           </a:p>
         </p:txBody>
       </p:sp>
@@ -4744,6 +4940,114 @@
     <p:extLst>
       <p:ext uri="{BB962C8B-B14F-4D97-AF65-F5344CB8AC3E}">
         <p14:creationId xmlns:p14="http://schemas.microsoft.com/office/powerpoint/2010/main" val="3701853782"/>
+      </p:ext>
+    </p:extLst>
+  </p:cSld>
+  <p:clrMapOvr>
+    <a:masterClrMapping/>
+  </p:clrMapOvr>
+</p:sld>
+</file>
+
+<file path=ppt/slides/slide9.xml><?xml version="1.0" encoding="utf-8"?>
+<p:sld xmlns:a="http://schemas.openxmlformats.org/drawingml/2006/main" xmlns:r="http://schemas.openxmlformats.org/officeDocument/2006/relationships" xmlns:p="http://schemas.openxmlformats.org/presentationml/2006/main">
+  <p:cSld>
+    <p:spTree>
+      <p:nvGrpSpPr>
+        <p:cNvPr id="1" name=""/>
+        <p:cNvGrpSpPr/>
+        <p:nvPr/>
+      </p:nvGrpSpPr>
+      <p:grpSpPr>
+        <a:xfrm>
+          <a:off x="0" y="0"/>
+          <a:ext cx="0" cy="0"/>
+          <a:chOff x="0" y="0"/>
+          <a:chExt cx="0" cy="0"/>
+        </a:xfrm>
+      </p:grpSpPr>
+      <p:sp>
+        <p:nvSpPr>
+          <p:cNvPr id="2" name="Заголовок 1">
+            <a:extLst>
+              <a:ext uri="{FF2B5EF4-FFF2-40B4-BE49-F238E27FC236}">
+                <a16:creationId xmlns:a16="http://schemas.microsoft.com/office/drawing/2014/main" id="{F5021899-4923-4A4C-B0B4-F768A81405EA}"/>
+              </a:ext>
+            </a:extLst>
+          </p:cNvPr>
+          <p:cNvSpPr>
+            <a:spLocks noGrp="1"/>
+          </p:cNvSpPr>
+          <p:nvPr>
+            <p:ph type="title"/>
+          </p:nvPr>
+        </p:nvSpPr>
+        <p:spPr/>
+        <p:txBody>
+          <a:bodyPr/>
+          <a:lstStyle/>
+          <a:p>
+            <a:r>
+              <a:rPr lang="ru-RU" dirty="0"/>
+              <a:t>Источники</a:t>
+            </a:r>
+            <a:endParaRPr lang="en-001" dirty="0"/>
+          </a:p>
+        </p:txBody>
+      </p:sp>
+      <p:sp>
+        <p:nvSpPr>
+          <p:cNvPr id="3" name="Объект 2">
+            <a:extLst>
+              <a:ext uri="{FF2B5EF4-FFF2-40B4-BE49-F238E27FC236}">
+                <a16:creationId xmlns:a16="http://schemas.microsoft.com/office/drawing/2014/main" id="{EADC553A-D7E3-41B1-9C5A-8E18D9304C67}"/>
+              </a:ext>
+            </a:extLst>
+          </p:cNvPr>
+          <p:cNvSpPr>
+            <a:spLocks noGrp="1"/>
+          </p:cNvSpPr>
+          <p:nvPr>
+            <p:ph idx="1"/>
+          </p:nvPr>
+        </p:nvSpPr>
+        <p:spPr/>
+        <p:txBody>
+          <a:bodyPr/>
+          <a:lstStyle/>
+          <a:p>
+            <a:r>
+              <a:rPr lang="ru-RU" dirty="0"/>
+              <a:t>1. Научная статья </a:t>
+            </a:r>
+            <a:r>
+              <a:rPr lang="ru-RU" b="0" i="0" dirty="0">
+                <a:solidFill>
+                  <a:srgbClr val="000000"/>
+                </a:solidFill>
+                <a:effectLst/>
+                <a:latin typeface="REG"/>
+              </a:rPr>
+              <a:t>﻿А.В. Бойко ПАРЛАМЕНТАРИЗМ В РОССИИ НАЧАЛА ХХ ВЕКА</a:t>
+            </a:r>
+          </a:p>
+          <a:p>
+            <a:r>
+              <a:rPr lang="ru-RU" dirty="0">
+                <a:solidFill>
+                  <a:srgbClr val="000000"/>
+                </a:solidFill>
+                <a:latin typeface="REG"/>
+              </a:rPr>
+              <a:t>2. СТАНОВЛЕНИЕ РОССИЙСКОГО ПАРЛАМЕНТАРИЗМА В НАЧАЛЕ XX ВЕКА, Ю.П. Родионов</a:t>
+            </a:r>
+          </a:p>
+        </p:txBody>
+      </p:sp>
+    </p:spTree>
+    <p:extLst>
+      <p:ext uri="{BB962C8B-B14F-4D97-AF65-F5344CB8AC3E}">
+        <p14:creationId xmlns:p14="http://schemas.microsoft.com/office/powerpoint/2010/main" val="1923595934"/>
       </p:ext>
     </p:extLst>
   </p:cSld>
